--- a/Inbuilt functions in python.pptx
+++ b/Inbuilt functions in python.pptx
@@ -15,6 +15,11 @@
     <p:sldId id="263" r:id="rId9"/>
     <p:sldId id="264" r:id="rId10"/>
     <p:sldId id="265" r:id="rId11"/>
+    <p:sldId id="266" r:id="rId12"/>
+    <p:sldId id="267" r:id="rId13"/>
+    <p:sldId id="268" r:id="rId14"/>
+    <p:sldId id="269" r:id="rId15"/>
+    <p:sldId id="270" r:id="rId16"/>
   </p:sldIdLst>
   <p:sldSz cx="12192000" cy="6858000"/>
   <p:notesSz cx="6858000" cy="9144000"/>
@@ -113,6 +118,11 @@
       </a:defRPr>
     </a:lvl9pPr>
   </p:defaultTextStyle>
+  <p:extLst>
+    <p:ext uri="{EFAFB233-063F-42B5-8137-9DF3F51BA10A}">
+      <p15:sldGuideLst xmlns:p15="http://schemas.microsoft.com/office/powerpoint/2012/main"/>
+    </p:ext>
+  </p:extLst>
 </p:presentation>
 </file>
 
@@ -287,7 +297,7 @@
           <a:p>
             <a:fld id="{48A87A34-81AB-432B-8DAE-1953F412C126}" type="datetimeFigureOut">
               <a:rPr lang="en-US" dirty="0"/>
-              <a:t>4/7/2020</a:t>
+              <a:t>4/8/2020</a:t>
             </a:fld>
             <a:endParaRPr lang="en-US" dirty="0"/>
           </a:p>
@@ -594,7 +604,7 @@
           <a:p>
             <a:fld id="{48A87A34-81AB-432B-8DAE-1953F412C126}" type="datetimeFigureOut">
               <a:rPr lang="en-US" dirty="0"/>
-              <a:t>4/7/2020</a:t>
+              <a:t>4/8/2020</a:t>
             </a:fld>
             <a:endParaRPr lang="en-US" dirty="0"/>
           </a:p>
@@ -811,7 +821,7 @@
           <a:p>
             <a:fld id="{48A87A34-81AB-432B-8DAE-1953F412C126}" type="datetimeFigureOut">
               <a:rPr lang="en-US" dirty="0"/>
-              <a:t>4/7/2020</a:t>
+              <a:t>4/8/2020</a:t>
             </a:fld>
             <a:endParaRPr lang="en-US" dirty="0"/>
           </a:p>
@@ -1097,7 +1107,7 @@
           <a:p>
             <a:fld id="{48A87A34-81AB-432B-8DAE-1953F412C126}" type="datetimeFigureOut">
               <a:rPr lang="en-US" dirty="0"/>
-              <a:t>4/7/2020</a:t>
+              <a:t>4/8/2020</a:t>
             </a:fld>
             <a:endParaRPr lang="en-US" dirty="0"/>
           </a:p>
@@ -1546,7 +1556,7 @@
           <a:p>
             <a:fld id="{48A87A34-81AB-432B-8DAE-1953F412C126}" type="datetimeFigureOut">
               <a:rPr lang="en-US" dirty="0"/>
-              <a:t>4/7/2020</a:t>
+              <a:t>4/8/2020</a:t>
             </a:fld>
             <a:endParaRPr lang="en-US" dirty="0"/>
           </a:p>
@@ -2117,7 +2127,7 @@
           <a:p>
             <a:fld id="{48A87A34-81AB-432B-8DAE-1953F412C126}" type="datetimeFigureOut">
               <a:rPr lang="en-US" dirty="0"/>
-              <a:t>4/7/2020</a:t>
+              <a:t>4/8/2020</a:t>
             </a:fld>
             <a:endParaRPr lang="en-US" dirty="0"/>
           </a:p>
@@ -2964,7 +2974,7 @@
           <a:p>
             <a:fld id="{48A87A34-81AB-432B-8DAE-1953F412C126}" type="datetimeFigureOut">
               <a:rPr lang="en-US" dirty="0"/>
-              <a:t>4/7/2020</a:t>
+              <a:t>4/8/2020</a:t>
             </a:fld>
             <a:endParaRPr lang="en-US" dirty="0"/>
           </a:p>
@@ -3164,7 +3174,7 @@
           <a:p>
             <a:fld id="{48A87A34-81AB-432B-8DAE-1953F412C126}" type="datetimeFigureOut">
               <a:rPr lang="en-US" dirty="0"/>
-              <a:t>4/7/2020</a:t>
+              <a:t>4/8/2020</a:t>
             </a:fld>
             <a:endParaRPr lang="en-US" dirty="0"/>
           </a:p>
@@ -3373,7 +3383,7 @@
           <a:p>
             <a:fld id="{48A87A34-81AB-432B-8DAE-1953F412C126}" type="datetimeFigureOut">
               <a:rPr lang="en-US" dirty="0"/>
-              <a:t>4/7/2020</a:t>
+              <a:t>4/8/2020</a:t>
             </a:fld>
             <a:endParaRPr lang="en-US" dirty="0"/>
           </a:p>
@@ -3573,7 +3583,7 @@
           <a:p>
             <a:fld id="{48A87A34-81AB-432B-8DAE-1953F412C126}" type="datetimeFigureOut">
               <a:rPr lang="en-US" dirty="0"/>
-              <a:t>4/7/2020</a:t>
+              <a:t>4/8/2020</a:t>
             </a:fld>
             <a:endParaRPr lang="en-US" dirty="0"/>
           </a:p>
@@ -3848,7 +3858,7 @@
           <a:p>
             <a:fld id="{48A87A34-81AB-432B-8DAE-1953F412C126}" type="datetimeFigureOut">
               <a:rPr lang="en-US" dirty="0"/>
-              <a:t>4/7/2020</a:t>
+              <a:t>4/8/2020</a:t>
             </a:fld>
             <a:endParaRPr lang="en-US" dirty="0"/>
           </a:p>
@@ -4110,7 +4120,7 @@
           <a:p>
             <a:fld id="{48A87A34-81AB-432B-8DAE-1953F412C126}" type="datetimeFigureOut">
               <a:rPr lang="en-US" dirty="0"/>
-              <a:t>4/7/2020</a:t>
+              <a:t>4/8/2020</a:t>
             </a:fld>
             <a:endParaRPr lang="en-US" dirty="0"/>
           </a:p>
@@ -4520,7 +4530,7 @@
           <a:p>
             <a:fld id="{48A87A34-81AB-432B-8DAE-1953F412C126}" type="datetimeFigureOut">
               <a:rPr lang="en-US" dirty="0"/>
-              <a:t>4/7/2020</a:t>
+              <a:t>4/8/2020</a:t>
             </a:fld>
             <a:endParaRPr lang="en-US" dirty="0"/>
           </a:p>
@@ -4663,7 +4673,7 @@
           <a:p>
             <a:fld id="{48A87A34-81AB-432B-8DAE-1953F412C126}" type="datetimeFigureOut">
               <a:rPr lang="en-US" dirty="0"/>
-              <a:t>4/7/2020</a:t>
+              <a:t>4/8/2020</a:t>
             </a:fld>
             <a:endParaRPr lang="en-US" dirty="0"/>
           </a:p>
@@ -4783,7 +4793,7 @@
           <a:p>
             <a:fld id="{48A87A34-81AB-432B-8DAE-1953F412C126}" type="datetimeFigureOut">
               <a:rPr lang="en-US" dirty="0"/>
-              <a:t>4/7/2020</a:t>
+              <a:t>4/8/2020</a:t>
             </a:fld>
             <a:endParaRPr lang="en-US" dirty="0"/>
           </a:p>
@@ -5057,7 +5067,7 @@
           <a:p>
             <a:fld id="{48A87A34-81AB-432B-8DAE-1953F412C126}" type="datetimeFigureOut">
               <a:rPr lang="en-US" dirty="0"/>
-              <a:t>4/7/2020</a:t>
+              <a:t>4/8/2020</a:t>
             </a:fld>
             <a:endParaRPr lang="en-US" dirty="0"/>
           </a:p>
@@ -5364,7 +5374,7 @@
           <a:p>
             <a:fld id="{48A87A34-81AB-432B-8DAE-1953F412C126}" type="datetimeFigureOut">
               <a:rPr lang="en-US" dirty="0"/>
-              <a:t>4/7/2020</a:t>
+              <a:t>4/8/2020</a:t>
             </a:fld>
             <a:endParaRPr lang="en-US" dirty="0"/>
           </a:p>
@@ -5613,7 +5623,7 @@
             <a:fld id="{48A87A34-81AB-432B-8DAE-1953F412C126}" type="datetimeFigureOut">
               <a:rPr lang="en-US" dirty="0"/>
               <a:pPr/>
-              <a:t>4/7/2020</a:t>
+              <a:t>4/8/2020</a:t>
             </a:fld>
             <a:endParaRPr lang="en-US" dirty="0"/>
           </a:p>
@@ -6469,13 +6479,13 @@
               <a:t>)                                </a:t>
             </a:r>
             <a:r>
-              <a:rPr lang="pt-BR" sz="1600" cap="none">
+              <a:rPr lang="pt-BR" sz="1600" cap="none" dirty="0">
                 <a:latin typeface="Abadi" panose="020B0604020104020204" pitchFamily="34" charset="0"/>
               </a:rPr>
               <a:t>Output-    </a:t>
             </a:r>
             <a:r>
-              <a:rPr lang="pt-BR" sz="1500" cap="none">
+              <a:rPr lang="pt-BR" sz="1500" cap="none" dirty="0">
                 <a:solidFill>
                   <a:schemeClr val="accent3">
                     <a:lumMod val="75000"/>
@@ -6598,6 +6608,2091 @@
     <p:extLst>
       <p:ext uri="{BB962C8B-B14F-4D97-AF65-F5344CB8AC3E}">
         <p14:creationId xmlns:p14="http://schemas.microsoft.com/office/powerpoint/2010/main" val="1907991463"/>
+      </p:ext>
+    </p:extLst>
+  </p:cSld>
+  <p:clrMapOvr>
+    <a:masterClrMapping/>
+  </p:clrMapOvr>
+</p:sld>
+</file>
+
+<file path=ppt/slides/slide11.xml><?xml version="1.0" encoding="utf-8"?>
+<p:sld xmlns:a="http://schemas.openxmlformats.org/drawingml/2006/main" xmlns:r="http://schemas.openxmlformats.org/officeDocument/2006/relationships" xmlns:p="http://schemas.openxmlformats.org/presentationml/2006/main">
+  <p:cSld>
+    <p:spTree>
+      <p:nvGrpSpPr>
+        <p:cNvPr id="1" name=""/>
+        <p:cNvGrpSpPr/>
+        <p:nvPr/>
+      </p:nvGrpSpPr>
+      <p:grpSpPr>
+        <a:xfrm>
+          <a:off x="0" y="0"/>
+          <a:ext cx="0" cy="0"/>
+          <a:chOff x="0" y="0"/>
+          <a:chExt cx="0" cy="0"/>
+        </a:xfrm>
+      </p:grpSpPr>
+      <p:sp>
+        <p:nvSpPr>
+          <p:cNvPr id="3" name="Content Placeholder 2">
+            <a:extLst>
+              <a:ext uri="{FF2B5EF4-FFF2-40B4-BE49-F238E27FC236}">
+                <a16:creationId xmlns:a16="http://schemas.microsoft.com/office/drawing/2014/main" id="{ABD73010-2362-4B29-AECF-FA7120ED2AC6}"/>
+              </a:ext>
+            </a:extLst>
+          </p:cNvPr>
+          <p:cNvSpPr>
+            <a:spLocks noGrp="1"/>
+          </p:cNvSpPr>
+          <p:nvPr>
+            <p:ph sz="quarter" idx="13"/>
+          </p:nvPr>
+        </p:nvSpPr>
+        <p:spPr>
+          <a:xfrm>
+            <a:off x="913774" y="352426"/>
+            <a:ext cx="10363826" cy="6048374"/>
+          </a:xfrm>
+        </p:spPr>
+        <p:txBody>
+          <a:bodyPr>
+            <a:normAutofit fontScale="92500" lnSpcReduction="10000"/>
+          </a:bodyPr>
+          <a:lstStyle/>
+          <a:p>
+            <a:pPr>
+              <a:buFont typeface="Wingdings" panose="05000000000000000000" pitchFamily="2" charset="2"/>
+              <a:buChar char="§"/>
+            </a:pPr>
+            <a:r>
+              <a:rPr lang="en-IN" sz="1700" cap="none" dirty="0" err="1">
+                <a:solidFill>
+                  <a:srgbClr val="FF0000"/>
+                </a:solidFill>
+                <a:latin typeface="Abadi" panose="020B0604020104020204" pitchFamily="34" charset="0"/>
+              </a:rPr>
+              <a:t>chr</a:t>
+            </a:r>
+            <a:r>
+              <a:rPr lang="en-IN" sz="1700" cap="none" dirty="0">
+                <a:solidFill>
+                  <a:srgbClr val="FF0000"/>
+                </a:solidFill>
+                <a:latin typeface="Abadi" panose="020B0604020104020204" pitchFamily="34" charset="0"/>
+              </a:rPr>
+              <a:t>() function</a:t>
+            </a:r>
+          </a:p>
+          <a:p>
+            <a:pPr marL="0" indent="0">
+              <a:lnSpc>
+                <a:spcPct val="110000"/>
+              </a:lnSpc>
+              <a:buNone/>
+            </a:pPr>
+            <a:r>
+              <a:rPr lang="en-US" sz="1700" cap="none" dirty="0">
+                <a:latin typeface="Abadi" panose="020B0604020104020204" pitchFamily="34" charset="0"/>
+              </a:rPr>
+              <a:t>The </a:t>
+            </a:r>
+            <a:r>
+              <a:rPr lang="en-US" sz="1700" cap="none" dirty="0" err="1">
+                <a:latin typeface="Abadi" panose="020B0604020104020204" pitchFamily="34" charset="0"/>
+              </a:rPr>
+              <a:t>chr</a:t>
+            </a:r>
+            <a:r>
+              <a:rPr lang="en-US" sz="1700" cap="none" dirty="0">
+                <a:latin typeface="Abadi" panose="020B0604020104020204" pitchFamily="34" charset="0"/>
+              </a:rPr>
+              <a:t>() function returns the character that represents the specified Unicode</a:t>
+            </a:r>
+          </a:p>
+          <a:p>
+            <a:pPr marL="0" indent="0">
+              <a:lnSpc>
+                <a:spcPct val="110000"/>
+              </a:lnSpc>
+              <a:buNone/>
+            </a:pPr>
+            <a:r>
+              <a:rPr lang="en-US" sz="1700" cap="none" dirty="0" err="1">
+                <a:latin typeface="Abadi" panose="020B0604020104020204" pitchFamily="34" charset="0"/>
+              </a:rPr>
+              <a:t>Eg</a:t>
+            </a:r>
+            <a:r>
+              <a:rPr lang="en-US" sz="1700" cap="none" dirty="0">
+                <a:latin typeface="Abadi" panose="020B0604020104020204" pitchFamily="34" charset="0"/>
+              </a:rPr>
+              <a:t>-</a:t>
+            </a:r>
+            <a:r>
+              <a:rPr lang="en-US" sz="1600" cap="none" dirty="0">
+                <a:latin typeface="Abadi" panose="020B0604020104020204" pitchFamily="34" charset="0"/>
+              </a:rPr>
+              <a:t> </a:t>
+            </a:r>
+            <a:r>
+              <a:rPr lang="en-US" sz="1500" cap="none" dirty="0">
+                <a:solidFill>
+                  <a:schemeClr val="accent3">
+                    <a:lumMod val="75000"/>
+                  </a:schemeClr>
+                </a:solidFill>
+                <a:latin typeface="Abadi" panose="020B0604020104020204" pitchFamily="34" charset="0"/>
+              </a:rPr>
+              <a:t>x = </a:t>
+            </a:r>
+            <a:r>
+              <a:rPr lang="en-US" sz="1500" cap="none" dirty="0" err="1">
+                <a:solidFill>
+                  <a:schemeClr val="accent3">
+                    <a:lumMod val="75000"/>
+                  </a:schemeClr>
+                </a:solidFill>
+                <a:latin typeface="Abadi" panose="020B0604020104020204" pitchFamily="34" charset="0"/>
+              </a:rPr>
+              <a:t>chr</a:t>
+            </a:r>
+            <a:r>
+              <a:rPr lang="en-US" sz="1500" cap="none" dirty="0">
+                <a:solidFill>
+                  <a:schemeClr val="accent3">
+                    <a:lumMod val="75000"/>
+                  </a:schemeClr>
+                </a:solidFill>
+                <a:latin typeface="Abadi" panose="020B0604020104020204" pitchFamily="34" charset="0"/>
+              </a:rPr>
+              <a:t>(97)</a:t>
+            </a:r>
+          </a:p>
+          <a:p>
+            <a:pPr marL="0" indent="0">
+              <a:lnSpc>
+                <a:spcPct val="110000"/>
+              </a:lnSpc>
+              <a:buNone/>
+            </a:pPr>
+            <a:r>
+              <a:rPr lang="en-US" sz="1500" cap="none" dirty="0">
+                <a:solidFill>
+                  <a:schemeClr val="accent3">
+                    <a:lumMod val="75000"/>
+                  </a:schemeClr>
+                </a:solidFill>
+                <a:latin typeface="Abadi" panose="020B0604020104020204" pitchFamily="34" charset="0"/>
+              </a:rPr>
+              <a:t>      print(x)</a:t>
+            </a:r>
+          </a:p>
+          <a:p>
+            <a:pPr marL="0" indent="0">
+              <a:lnSpc>
+                <a:spcPct val="100000"/>
+              </a:lnSpc>
+              <a:buNone/>
+            </a:pPr>
+            <a:r>
+              <a:rPr lang="en-US" sz="1500" cap="none" dirty="0">
+                <a:latin typeface="Abadi" panose="020B0604020104020204" pitchFamily="34" charset="0"/>
+              </a:rPr>
+              <a:t>Output-</a:t>
+            </a:r>
+            <a:r>
+              <a:rPr lang="en-US" sz="1400" cap="none" dirty="0">
+                <a:solidFill>
+                  <a:schemeClr val="accent3">
+                    <a:lumMod val="75000"/>
+                  </a:schemeClr>
+                </a:solidFill>
+                <a:latin typeface="Abadi" panose="020B0604020104020204" pitchFamily="34" charset="0"/>
+              </a:rPr>
+              <a:t>  </a:t>
+            </a:r>
+            <a:r>
+              <a:rPr lang="en-US" sz="1600" cap="none" dirty="0">
+                <a:solidFill>
+                  <a:schemeClr val="accent3">
+                    <a:lumMod val="75000"/>
+                  </a:schemeClr>
+                </a:solidFill>
+                <a:latin typeface="Abadi" panose="020B0604020104020204" pitchFamily="34" charset="0"/>
+              </a:rPr>
+              <a:t>a</a:t>
+            </a:r>
+          </a:p>
+          <a:p>
+            <a:pPr>
+              <a:lnSpc>
+                <a:spcPct val="130000"/>
+              </a:lnSpc>
+              <a:buFont typeface="Wingdings" panose="05000000000000000000" pitchFamily="2" charset="2"/>
+              <a:buChar char="§"/>
+            </a:pPr>
+            <a:r>
+              <a:rPr lang="en-IN" sz="1700" cap="none" dirty="0">
+                <a:solidFill>
+                  <a:srgbClr val="FF0000"/>
+                </a:solidFill>
+                <a:latin typeface="Abadi" panose="020B0604020104020204" pitchFamily="34" charset="0"/>
+              </a:rPr>
+              <a:t>Callable() function</a:t>
+            </a:r>
+          </a:p>
+          <a:p>
+            <a:pPr marL="0" indent="0">
+              <a:lnSpc>
+                <a:spcPct val="110000"/>
+              </a:lnSpc>
+              <a:buNone/>
+            </a:pPr>
+            <a:r>
+              <a:rPr lang="en-US" sz="1700" cap="none" dirty="0">
+                <a:latin typeface="Abadi" panose="020B0604020104020204" pitchFamily="34" charset="0"/>
+              </a:rPr>
+              <a:t>The callable() function returns True if the specified object is callable, otherwise it returns False.</a:t>
+            </a:r>
+          </a:p>
+          <a:p>
+            <a:pPr marL="0" indent="0">
+              <a:buNone/>
+            </a:pPr>
+            <a:r>
+              <a:rPr lang="en-US" sz="1600" cap="none" dirty="0" err="1">
+                <a:latin typeface="Abadi" panose="020B0604020104020204" pitchFamily="34" charset="0"/>
+              </a:rPr>
+              <a:t>Eg</a:t>
+            </a:r>
+            <a:r>
+              <a:rPr lang="en-US" sz="1600" cap="none" dirty="0">
+                <a:latin typeface="Abadi" panose="020B0604020104020204" pitchFamily="34" charset="0"/>
+              </a:rPr>
+              <a:t>- </a:t>
+            </a:r>
+            <a:r>
+              <a:rPr lang="en-IN" sz="1500" cap="none" dirty="0">
+                <a:solidFill>
+                  <a:schemeClr val="accent3">
+                    <a:lumMod val="75000"/>
+                  </a:schemeClr>
+                </a:solidFill>
+                <a:latin typeface="Abadi" panose="020B0604020104020204" pitchFamily="34" charset="0"/>
+              </a:rPr>
+              <a:t>def x():  </a:t>
+            </a:r>
+          </a:p>
+          <a:p>
+            <a:pPr marL="0" indent="0">
+              <a:buNone/>
+            </a:pPr>
+            <a:r>
+              <a:rPr lang="en-IN" sz="1500" cap="none" dirty="0">
+                <a:solidFill>
+                  <a:schemeClr val="accent3">
+                    <a:lumMod val="75000"/>
+                  </a:schemeClr>
+                </a:solidFill>
+                <a:latin typeface="Abadi" panose="020B0604020104020204" pitchFamily="34" charset="0"/>
+              </a:rPr>
+              <a:t>          a = 5  </a:t>
+            </a:r>
+          </a:p>
+          <a:p>
+            <a:pPr marL="0" indent="0">
+              <a:buNone/>
+            </a:pPr>
+            <a:r>
+              <a:rPr lang="en-IN" sz="1500" cap="none" dirty="0">
+                <a:solidFill>
+                  <a:schemeClr val="accent3">
+                    <a:lumMod val="75000"/>
+                  </a:schemeClr>
+                </a:solidFill>
+                <a:latin typeface="Abadi" panose="020B0604020104020204" pitchFamily="34" charset="0"/>
+              </a:rPr>
+              <a:t>       print(callable(x))  </a:t>
+            </a:r>
+          </a:p>
+          <a:p>
+            <a:pPr marL="0" indent="0">
+              <a:lnSpc>
+                <a:spcPct val="100000"/>
+              </a:lnSpc>
+              <a:buNone/>
+            </a:pPr>
+            <a:r>
+              <a:rPr lang="en-IN" sz="1500" cap="none" dirty="0">
+                <a:latin typeface="Abadi" panose="020B0604020104020204" pitchFamily="34" charset="0"/>
+              </a:rPr>
+              <a:t>Output- </a:t>
+            </a:r>
+            <a:r>
+              <a:rPr lang="en-IN" sz="1600" cap="none" dirty="0">
+                <a:solidFill>
+                  <a:schemeClr val="accent3">
+                    <a:lumMod val="75000"/>
+                  </a:schemeClr>
+                </a:solidFill>
+                <a:latin typeface="Abadi" panose="020B0604020104020204" pitchFamily="34" charset="0"/>
+              </a:rPr>
+              <a:t>True</a:t>
+            </a:r>
+          </a:p>
+          <a:p>
+            <a:pPr>
+              <a:lnSpc>
+                <a:spcPct val="140000"/>
+              </a:lnSpc>
+              <a:buFont typeface="Wingdings" panose="05000000000000000000" pitchFamily="2" charset="2"/>
+              <a:buChar char="§"/>
+            </a:pPr>
+            <a:r>
+              <a:rPr lang="en-IN" sz="1700" cap="none" dirty="0">
+                <a:solidFill>
+                  <a:srgbClr val="FF0000"/>
+                </a:solidFill>
+                <a:latin typeface="Abadi" panose="020B0604020104020204" pitchFamily="34" charset="0"/>
+              </a:rPr>
+              <a:t>Complex() function</a:t>
+            </a:r>
+          </a:p>
+          <a:p>
+            <a:pPr marL="0" indent="0">
+              <a:lnSpc>
+                <a:spcPct val="110000"/>
+              </a:lnSpc>
+              <a:buNone/>
+            </a:pPr>
+            <a:r>
+              <a:rPr lang="en-US" sz="1700" cap="none" dirty="0">
+                <a:latin typeface="Abadi" panose="020B0604020104020204" pitchFamily="34" charset="0"/>
+              </a:rPr>
+              <a:t>The complex() function returns a complex number by specifying a real number and an imaginary number.</a:t>
+            </a:r>
+          </a:p>
+          <a:p>
+            <a:pPr marL="0" indent="0">
+              <a:buNone/>
+            </a:pPr>
+            <a:r>
+              <a:rPr lang="en-US" sz="1600" cap="none" dirty="0" err="1">
+                <a:latin typeface="Abadi" panose="020B0604020104020204" pitchFamily="34" charset="0"/>
+              </a:rPr>
+              <a:t>Eg</a:t>
+            </a:r>
+            <a:r>
+              <a:rPr lang="en-US" sz="1600" cap="none" dirty="0">
+                <a:latin typeface="Abadi" panose="020B0604020104020204" pitchFamily="34" charset="0"/>
+              </a:rPr>
+              <a:t>- </a:t>
+            </a:r>
+            <a:r>
+              <a:rPr lang="en-US" sz="1500" cap="none" dirty="0">
+                <a:solidFill>
+                  <a:schemeClr val="accent3">
+                    <a:lumMod val="75000"/>
+                  </a:schemeClr>
+                </a:solidFill>
+                <a:latin typeface="Abadi" panose="020B0604020104020204" pitchFamily="34" charset="0"/>
+              </a:rPr>
+              <a:t>x = complex(3, 5)</a:t>
+            </a:r>
+          </a:p>
+          <a:p>
+            <a:pPr marL="0" indent="0">
+              <a:buNone/>
+            </a:pPr>
+            <a:r>
+              <a:rPr lang="en-US" sz="1500" cap="none" dirty="0">
+                <a:solidFill>
+                  <a:schemeClr val="accent3">
+                    <a:lumMod val="75000"/>
+                  </a:schemeClr>
+                </a:solidFill>
+                <a:latin typeface="Abadi" panose="020B0604020104020204" pitchFamily="34" charset="0"/>
+              </a:rPr>
+              <a:t>      print(x)</a:t>
+            </a:r>
+          </a:p>
+          <a:p>
+            <a:pPr marL="0" indent="0">
+              <a:lnSpc>
+                <a:spcPct val="100000"/>
+              </a:lnSpc>
+              <a:buNone/>
+            </a:pPr>
+            <a:r>
+              <a:rPr lang="en-IN" sz="1500" cap="none" dirty="0">
+                <a:latin typeface="Abadi" panose="020B0604020104020204" pitchFamily="34" charset="0"/>
+              </a:rPr>
+              <a:t>Output-</a:t>
+            </a:r>
+            <a:r>
+              <a:rPr lang="en-IN" dirty="0"/>
+              <a:t> </a:t>
+            </a:r>
+            <a:r>
+              <a:rPr lang="en-IN" sz="1600" cap="none" dirty="0">
+                <a:solidFill>
+                  <a:schemeClr val="accent3">
+                    <a:lumMod val="75000"/>
+                  </a:schemeClr>
+                </a:solidFill>
+                <a:latin typeface="Abadi" panose="020B0604020104020204" pitchFamily="34" charset="0"/>
+              </a:rPr>
+              <a:t>(3+5j)</a:t>
+            </a:r>
+          </a:p>
+          <a:p>
+            <a:pPr marL="0" indent="0">
+              <a:lnSpc>
+                <a:spcPct val="110000"/>
+              </a:lnSpc>
+              <a:buNone/>
+            </a:pPr>
+            <a:endParaRPr lang="en-IN" sz="1600" cap="none" dirty="0">
+              <a:latin typeface="Abadi" panose="020B0604020104020204" pitchFamily="34" charset="0"/>
+            </a:endParaRPr>
+          </a:p>
+        </p:txBody>
+      </p:sp>
+    </p:spTree>
+    <p:extLst>
+      <p:ext uri="{BB962C8B-B14F-4D97-AF65-F5344CB8AC3E}">
+        <p14:creationId xmlns:p14="http://schemas.microsoft.com/office/powerpoint/2010/main" val="3721266983"/>
+      </p:ext>
+    </p:extLst>
+  </p:cSld>
+  <p:clrMapOvr>
+    <a:masterClrMapping/>
+  </p:clrMapOvr>
+</p:sld>
+</file>
+
+<file path=ppt/slides/slide12.xml><?xml version="1.0" encoding="utf-8"?>
+<p:sld xmlns:a="http://schemas.openxmlformats.org/drawingml/2006/main" xmlns:r="http://schemas.openxmlformats.org/officeDocument/2006/relationships" xmlns:p="http://schemas.openxmlformats.org/presentationml/2006/main">
+  <p:cSld>
+    <p:spTree>
+      <p:nvGrpSpPr>
+        <p:cNvPr id="1" name=""/>
+        <p:cNvGrpSpPr/>
+        <p:nvPr/>
+      </p:nvGrpSpPr>
+      <p:grpSpPr>
+        <a:xfrm>
+          <a:off x="0" y="0"/>
+          <a:ext cx="0" cy="0"/>
+          <a:chOff x="0" y="0"/>
+          <a:chExt cx="0" cy="0"/>
+        </a:xfrm>
+      </p:grpSpPr>
+      <p:sp>
+        <p:nvSpPr>
+          <p:cNvPr id="3" name="Content Placeholder 2">
+            <a:extLst>
+              <a:ext uri="{FF2B5EF4-FFF2-40B4-BE49-F238E27FC236}">
+                <a16:creationId xmlns:a16="http://schemas.microsoft.com/office/drawing/2014/main" id="{73BE5501-52EE-40BB-B2A6-2DD6CB882482}"/>
+              </a:ext>
+            </a:extLst>
+          </p:cNvPr>
+          <p:cNvSpPr>
+            <a:spLocks noGrp="1"/>
+          </p:cNvSpPr>
+          <p:nvPr>
+            <p:ph sz="quarter" idx="13"/>
+          </p:nvPr>
+        </p:nvSpPr>
+        <p:spPr>
+          <a:xfrm>
+            <a:off x="913774" y="266700"/>
+            <a:ext cx="10363826" cy="6057900"/>
+          </a:xfrm>
+        </p:spPr>
+        <p:txBody>
+          <a:bodyPr/>
+          <a:lstStyle/>
+          <a:p>
+            <a:pPr>
+              <a:lnSpc>
+                <a:spcPct val="110000"/>
+              </a:lnSpc>
+              <a:buFont typeface="Wingdings" panose="05000000000000000000" pitchFamily="2" charset="2"/>
+              <a:buChar char="§"/>
+            </a:pPr>
+            <a:r>
+              <a:rPr lang="en-IN" sz="1700" cap="none" dirty="0" err="1">
+                <a:solidFill>
+                  <a:srgbClr val="FF0000"/>
+                </a:solidFill>
+                <a:latin typeface="Abadi" panose="020B0604020104020204" pitchFamily="34" charset="0"/>
+              </a:rPr>
+              <a:t>delattr</a:t>
+            </a:r>
+            <a:r>
+              <a:rPr lang="en-IN" sz="1700" cap="none" dirty="0">
+                <a:solidFill>
+                  <a:srgbClr val="FF0000"/>
+                </a:solidFill>
+                <a:latin typeface="Abadi" panose="020B0604020104020204" pitchFamily="34" charset="0"/>
+              </a:rPr>
+              <a:t>() function</a:t>
+            </a:r>
+          </a:p>
+          <a:p>
+            <a:pPr marL="0" indent="0">
+              <a:lnSpc>
+                <a:spcPct val="110000"/>
+              </a:lnSpc>
+              <a:buNone/>
+            </a:pPr>
+            <a:r>
+              <a:rPr lang="en-US" sz="1700" cap="none" dirty="0">
+                <a:latin typeface="Abadi" panose="020B0604020104020204" pitchFamily="34" charset="0"/>
+              </a:rPr>
+              <a:t>The </a:t>
+            </a:r>
+            <a:r>
+              <a:rPr lang="en-US" sz="1700" cap="none" dirty="0" err="1">
+                <a:latin typeface="Abadi" panose="020B0604020104020204" pitchFamily="34" charset="0"/>
+              </a:rPr>
+              <a:t>delattr</a:t>
+            </a:r>
+            <a:r>
+              <a:rPr lang="en-US" sz="1700" cap="none" dirty="0">
+                <a:latin typeface="Abadi" panose="020B0604020104020204" pitchFamily="34" charset="0"/>
+              </a:rPr>
+              <a:t>() function will delete the specified attribute from the specified object.</a:t>
+            </a:r>
+          </a:p>
+          <a:p>
+            <a:pPr marL="0" indent="0">
+              <a:lnSpc>
+                <a:spcPct val="110000"/>
+              </a:lnSpc>
+              <a:buNone/>
+            </a:pPr>
+            <a:r>
+              <a:rPr lang="en-US" sz="1600" cap="none" dirty="0" err="1">
+                <a:latin typeface="Abadi" panose="020B0604020104020204" pitchFamily="34" charset="0"/>
+              </a:rPr>
+              <a:t>Eg</a:t>
+            </a:r>
+            <a:r>
+              <a:rPr lang="en-US" sz="1600" cap="none" dirty="0">
+                <a:latin typeface="Abadi" panose="020B0604020104020204" pitchFamily="34" charset="0"/>
+              </a:rPr>
+              <a:t>- </a:t>
+            </a:r>
+            <a:r>
+              <a:rPr lang="en-US" sz="1500" cap="none" dirty="0">
+                <a:solidFill>
+                  <a:schemeClr val="accent3">
+                    <a:lumMod val="75000"/>
+                  </a:schemeClr>
+                </a:solidFill>
+                <a:latin typeface="Abadi" panose="020B0604020104020204" pitchFamily="34" charset="0"/>
+              </a:rPr>
+              <a:t>class Person:</a:t>
+            </a:r>
+          </a:p>
+          <a:p>
+            <a:pPr marL="0" indent="0">
+              <a:lnSpc>
+                <a:spcPct val="110000"/>
+              </a:lnSpc>
+              <a:buNone/>
+            </a:pPr>
+            <a:r>
+              <a:rPr lang="en-US" sz="1500" cap="none" dirty="0">
+                <a:solidFill>
+                  <a:schemeClr val="accent3">
+                    <a:lumMod val="75000"/>
+                  </a:schemeClr>
+                </a:solidFill>
+                <a:latin typeface="Abadi" panose="020B0604020104020204" pitchFamily="34" charset="0"/>
+              </a:rPr>
+              <a:t>         name = "John"</a:t>
+            </a:r>
+          </a:p>
+          <a:p>
+            <a:pPr marL="0" indent="0">
+              <a:lnSpc>
+                <a:spcPct val="110000"/>
+              </a:lnSpc>
+              <a:buNone/>
+            </a:pPr>
+            <a:r>
+              <a:rPr lang="en-US" sz="1500" cap="none" dirty="0">
+                <a:solidFill>
+                  <a:schemeClr val="accent3">
+                    <a:lumMod val="75000"/>
+                  </a:schemeClr>
+                </a:solidFill>
+                <a:latin typeface="Abadi" panose="020B0604020104020204" pitchFamily="34" charset="0"/>
+              </a:rPr>
+              <a:t>         age = 36</a:t>
+            </a:r>
+          </a:p>
+          <a:p>
+            <a:pPr marL="0" indent="0">
+              <a:lnSpc>
+                <a:spcPct val="110000"/>
+              </a:lnSpc>
+              <a:buNone/>
+            </a:pPr>
+            <a:r>
+              <a:rPr lang="en-US" sz="1500" cap="none" dirty="0">
+                <a:solidFill>
+                  <a:schemeClr val="accent3">
+                    <a:lumMod val="75000"/>
+                  </a:schemeClr>
+                </a:solidFill>
+                <a:latin typeface="Abadi" panose="020B0604020104020204" pitchFamily="34" charset="0"/>
+              </a:rPr>
+              <a:t>         country = "Norway“</a:t>
+            </a:r>
+          </a:p>
+          <a:p>
+            <a:pPr marL="0" indent="0">
+              <a:lnSpc>
+                <a:spcPct val="110000"/>
+              </a:lnSpc>
+              <a:buNone/>
+            </a:pPr>
+            <a:r>
+              <a:rPr lang="en-US" sz="1500" cap="none" dirty="0">
+                <a:solidFill>
+                  <a:schemeClr val="accent3">
+                    <a:lumMod val="75000"/>
+                  </a:schemeClr>
+                </a:solidFill>
+                <a:latin typeface="Abadi" panose="020B0604020104020204" pitchFamily="34" charset="0"/>
+              </a:rPr>
+              <a:t>       </a:t>
+            </a:r>
+            <a:r>
+              <a:rPr lang="en-US" sz="1500" cap="none" dirty="0" err="1">
+                <a:solidFill>
+                  <a:schemeClr val="accent3">
+                    <a:lumMod val="75000"/>
+                  </a:schemeClr>
+                </a:solidFill>
+                <a:latin typeface="Abadi" panose="020B0604020104020204" pitchFamily="34" charset="0"/>
+              </a:rPr>
+              <a:t>delattr</a:t>
+            </a:r>
+            <a:r>
+              <a:rPr lang="en-US" sz="1500" cap="none" dirty="0">
+                <a:solidFill>
+                  <a:schemeClr val="accent3">
+                    <a:lumMod val="75000"/>
+                  </a:schemeClr>
+                </a:solidFill>
+                <a:latin typeface="Abadi" panose="020B0604020104020204" pitchFamily="34" charset="0"/>
+              </a:rPr>
+              <a:t>(Person, 'age’)</a:t>
+            </a:r>
+          </a:p>
+          <a:p>
+            <a:pPr>
+              <a:lnSpc>
+                <a:spcPct val="100000"/>
+              </a:lnSpc>
+              <a:buFont typeface="Wingdings" panose="05000000000000000000" pitchFamily="2" charset="2"/>
+              <a:buChar char="§"/>
+            </a:pPr>
+            <a:endParaRPr lang="en-IN" sz="1600" cap="none" dirty="0">
+              <a:solidFill>
+                <a:srgbClr val="FF0000"/>
+              </a:solidFill>
+              <a:latin typeface="Abadi" panose="020B0604020104020204" pitchFamily="34" charset="0"/>
+            </a:endParaRPr>
+          </a:p>
+          <a:p>
+            <a:pPr>
+              <a:lnSpc>
+                <a:spcPct val="110000"/>
+              </a:lnSpc>
+              <a:buFont typeface="Wingdings" panose="05000000000000000000" pitchFamily="2" charset="2"/>
+              <a:buChar char="§"/>
+            </a:pPr>
+            <a:r>
+              <a:rPr lang="en-IN" sz="1700" cap="none" dirty="0" err="1">
+                <a:solidFill>
+                  <a:srgbClr val="FF0000"/>
+                </a:solidFill>
+                <a:latin typeface="Abadi" panose="020B0604020104020204" pitchFamily="34" charset="0"/>
+              </a:rPr>
+              <a:t>divmod</a:t>
+            </a:r>
+            <a:r>
+              <a:rPr lang="en-IN" sz="1700" cap="none" dirty="0">
+                <a:solidFill>
+                  <a:srgbClr val="FF0000"/>
+                </a:solidFill>
+                <a:latin typeface="Abadi" panose="020B0604020104020204" pitchFamily="34" charset="0"/>
+              </a:rPr>
+              <a:t>() function</a:t>
+            </a:r>
+          </a:p>
+          <a:p>
+            <a:pPr marL="0" indent="0">
+              <a:lnSpc>
+                <a:spcPct val="100000"/>
+              </a:lnSpc>
+              <a:buNone/>
+            </a:pPr>
+            <a:r>
+              <a:rPr lang="en-US" sz="1700" cap="none" dirty="0">
+                <a:latin typeface="Abadi" panose="020B0604020104020204" pitchFamily="34" charset="0"/>
+              </a:rPr>
+              <a:t>The </a:t>
+            </a:r>
+            <a:r>
+              <a:rPr lang="en-US" sz="1700" cap="none" dirty="0" err="1">
+                <a:latin typeface="Abadi" panose="020B0604020104020204" pitchFamily="34" charset="0"/>
+              </a:rPr>
+              <a:t>divmod</a:t>
+            </a:r>
+            <a:r>
+              <a:rPr lang="en-US" sz="1700" cap="none" dirty="0">
+                <a:latin typeface="Abadi" panose="020B0604020104020204" pitchFamily="34" charset="0"/>
+              </a:rPr>
+              <a:t>() function returns a tuple containing the quotient  and the remainder when argument1 (</a:t>
+            </a:r>
+            <a:r>
+              <a:rPr lang="en-US" sz="1700" cap="none" dirty="0" err="1">
+                <a:latin typeface="Abadi" panose="020B0604020104020204" pitchFamily="34" charset="0"/>
+              </a:rPr>
+              <a:t>divident</a:t>
+            </a:r>
+            <a:r>
+              <a:rPr lang="en-US" sz="1700" cap="none" dirty="0">
+                <a:latin typeface="Abadi" panose="020B0604020104020204" pitchFamily="34" charset="0"/>
+              </a:rPr>
+              <a:t>) is divided by argument2 (divisor).</a:t>
+            </a:r>
+          </a:p>
+          <a:p>
+            <a:pPr marL="0" indent="0">
+              <a:lnSpc>
+                <a:spcPct val="110000"/>
+              </a:lnSpc>
+              <a:buNone/>
+            </a:pPr>
+            <a:r>
+              <a:rPr lang="en-US" sz="1600" cap="none" dirty="0" err="1">
+                <a:latin typeface="Abadi" panose="020B0604020104020204" pitchFamily="34" charset="0"/>
+              </a:rPr>
+              <a:t>Eg</a:t>
+            </a:r>
+            <a:r>
+              <a:rPr lang="en-US" sz="1600" cap="none" dirty="0">
+                <a:latin typeface="Abadi" panose="020B0604020104020204" pitchFamily="34" charset="0"/>
+              </a:rPr>
+              <a:t>- </a:t>
+            </a:r>
+            <a:r>
+              <a:rPr lang="nn-NO" sz="1500" cap="none" dirty="0">
+                <a:solidFill>
+                  <a:schemeClr val="accent3">
+                    <a:lumMod val="75000"/>
+                  </a:schemeClr>
+                </a:solidFill>
+                <a:latin typeface="Abadi" panose="020B0604020104020204" pitchFamily="34" charset="0"/>
+              </a:rPr>
+              <a:t>x = divmod(11, 2)</a:t>
+            </a:r>
+          </a:p>
+          <a:p>
+            <a:pPr marL="0" indent="0">
+              <a:lnSpc>
+                <a:spcPct val="110000"/>
+              </a:lnSpc>
+              <a:buNone/>
+            </a:pPr>
+            <a:r>
+              <a:rPr lang="nn-NO" sz="1500" cap="none" dirty="0">
+                <a:solidFill>
+                  <a:schemeClr val="accent3">
+                    <a:lumMod val="75000"/>
+                  </a:schemeClr>
+                </a:solidFill>
+                <a:latin typeface="Abadi" panose="020B0604020104020204" pitchFamily="34" charset="0"/>
+              </a:rPr>
+              <a:t>     print(x)</a:t>
+            </a:r>
+          </a:p>
+          <a:p>
+            <a:pPr marL="0" indent="0">
+              <a:lnSpc>
+                <a:spcPct val="100000"/>
+              </a:lnSpc>
+              <a:buNone/>
+            </a:pPr>
+            <a:r>
+              <a:rPr lang="en-IN" sz="1400" cap="none" dirty="0">
+                <a:latin typeface="Abadi" panose="020B0604020104020204" pitchFamily="34" charset="0"/>
+              </a:rPr>
+              <a:t>Output- </a:t>
+            </a:r>
+            <a:r>
+              <a:rPr lang="en-IN" sz="1500" cap="none" dirty="0">
+                <a:solidFill>
+                  <a:schemeClr val="accent3">
+                    <a:lumMod val="75000"/>
+                  </a:schemeClr>
+                </a:solidFill>
+                <a:latin typeface="Abadi" panose="020B0604020104020204" pitchFamily="34" charset="0"/>
+              </a:rPr>
+              <a:t>(5, 1)</a:t>
+            </a:r>
+          </a:p>
+        </p:txBody>
+      </p:sp>
+    </p:spTree>
+    <p:extLst>
+      <p:ext uri="{BB962C8B-B14F-4D97-AF65-F5344CB8AC3E}">
+        <p14:creationId xmlns:p14="http://schemas.microsoft.com/office/powerpoint/2010/main" val="2682205625"/>
+      </p:ext>
+    </p:extLst>
+  </p:cSld>
+  <p:clrMapOvr>
+    <a:masterClrMapping/>
+  </p:clrMapOvr>
+</p:sld>
+</file>
+
+<file path=ppt/slides/slide13.xml><?xml version="1.0" encoding="utf-8"?>
+<p:sld xmlns:a="http://schemas.openxmlformats.org/drawingml/2006/main" xmlns:r="http://schemas.openxmlformats.org/officeDocument/2006/relationships" xmlns:p="http://schemas.openxmlformats.org/presentationml/2006/main">
+  <p:cSld>
+    <p:spTree>
+      <p:nvGrpSpPr>
+        <p:cNvPr id="1" name=""/>
+        <p:cNvGrpSpPr/>
+        <p:nvPr/>
+      </p:nvGrpSpPr>
+      <p:grpSpPr>
+        <a:xfrm>
+          <a:off x="0" y="0"/>
+          <a:ext cx="0" cy="0"/>
+          <a:chOff x="0" y="0"/>
+          <a:chExt cx="0" cy="0"/>
+        </a:xfrm>
+      </p:grpSpPr>
+      <p:sp>
+        <p:nvSpPr>
+          <p:cNvPr id="3" name="Content Placeholder 2">
+            <a:extLst>
+              <a:ext uri="{FF2B5EF4-FFF2-40B4-BE49-F238E27FC236}">
+                <a16:creationId xmlns:a16="http://schemas.microsoft.com/office/drawing/2014/main" id="{4CE7D3A8-AEB6-4AAF-AEA0-3AFEDEE5276D}"/>
+              </a:ext>
+            </a:extLst>
+          </p:cNvPr>
+          <p:cNvSpPr>
+            <a:spLocks noGrp="1"/>
+          </p:cNvSpPr>
+          <p:nvPr>
+            <p:ph sz="quarter" idx="13"/>
+          </p:nvPr>
+        </p:nvSpPr>
+        <p:spPr>
+          <a:xfrm>
+            <a:off x="913774" y="400050"/>
+            <a:ext cx="10363826" cy="5819775"/>
+          </a:xfrm>
+        </p:spPr>
+        <p:txBody>
+          <a:bodyPr/>
+          <a:lstStyle/>
+          <a:p>
+            <a:pPr>
+              <a:lnSpc>
+                <a:spcPct val="110000"/>
+              </a:lnSpc>
+              <a:buFont typeface="Wingdings" panose="05000000000000000000" pitchFamily="2" charset="2"/>
+              <a:buChar char="§"/>
+            </a:pPr>
+            <a:r>
+              <a:rPr lang="en-IN" sz="1700" cap="none" dirty="0">
+                <a:solidFill>
+                  <a:srgbClr val="FF0000"/>
+                </a:solidFill>
+                <a:latin typeface="Abadi" panose="020B0604020104020204" pitchFamily="34" charset="0"/>
+              </a:rPr>
+              <a:t>enumerate() function</a:t>
+            </a:r>
+          </a:p>
+          <a:p>
+            <a:pPr marL="0" indent="0">
+              <a:lnSpc>
+                <a:spcPct val="110000"/>
+              </a:lnSpc>
+              <a:buNone/>
+            </a:pPr>
+            <a:r>
+              <a:rPr lang="en-US" sz="1700" cap="none" dirty="0">
+                <a:latin typeface="Abadi" panose="020B0604020104020204" pitchFamily="34" charset="0"/>
+              </a:rPr>
+              <a:t>The enumerate() function takes a collection (e.g. a tuple) and returns it as an enumerate object.</a:t>
+            </a:r>
+          </a:p>
+          <a:p>
+            <a:pPr marL="0" indent="0">
+              <a:lnSpc>
+                <a:spcPct val="110000"/>
+              </a:lnSpc>
+              <a:buNone/>
+            </a:pPr>
+            <a:r>
+              <a:rPr lang="en-US" sz="1600" cap="none" dirty="0" err="1">
+                <a:latin typeface="Abadi" panose="020B0604020104020204" pitchFamily="34" charset="0"/>
+              </a:rPr>
+              <a:t>Eg</a:t>
+            </a:r>
+            <a:r>
+              <a:rPr lang="en-US" sz="1600" cap="none" dirty="0">
+                <a:latin typeface="Abadi" panose="020B0604020104020204" pitchFamily="34" charset="0"/>
+              </a:rPr>
+              <a:t>- </a:t>
+            </a:r>
+            <a:r>
+              <a:rPr lang="en-US" sz="1500" cap="none" dirty="0">
+                <a:solidFill>
+                  <a:schemeClr val="accent3">
+                    <a:lumMod val="75000"/>
+                  </a:schemeClr>
+                </a:solidFill>
+                <a:latin typeface="Abadi" panose="020B0604020104020204" pitchFamily="34" charset="0"/>
+              </a:rPr>
+              <a:t>x = ('apple', 'banana', 'cherry’)</a:t>
+            </a:r>
+          </a:p>
+          <a:p>
+            <a:pPr marL="0" indent="0">
+              <a:lnSpc>
+                <a:spcPct val="110000"/>
+              </a:lnSpc>
+              <a:buNone/>
+            </a:pPr>
+            <a:r>
+              <a:rPr lang="en-US" sz="1500" cap="none" dirty="0">
+                <a:solidFill>
+                  <a:schemeClr val="accent3">
+                    <a:lumMod val="75000"/>
+                  </a:schemeClr>
+                </a:solidFill>
+                <a:latin typeface="Abadi" panose="020B0604020104020204" pitchFamily="34" charset="0"/>
+              </a:rPr>
+              <a:t>      y = enumerate(x)</a:t>
+            </a:r>
+          </a:p>
+          <a:p>
+            <a:pPr marL="0" indent="0">
+              <a:lnSpc>
+                <a:spcPct val="110000"/>
+              </a:lnSpc>
+              <a:buNone/>
+            </a:pPr>
+            <a:r>
+              <a:rPr lang="en-US" sz="1500" cap="none" dirty="0">
+                <a:solidFill>
+                  <a:schemeClr val="accent3">
+                    <a:lumMod val="75000"/>
+                  </a:schemeClr>
+                </a:solidFill>
+                <a:latin typeface="Abadi" panose="020B0604020104020204" pitchFamily="34" charset="0"/>
+              </a:rPr>
+              <a:t>      print(list(y))</a:t>
+            </a:r>
+          </a:p>
+          <a:p>
+            <a:pPr marL="0" indent="0">
+              <a:lnSpc>
+                <a:spcPct val="100000"/>
+              </a:lnSpc>
+              <a:buNone/>
+            </a:pPr>
+            <a:r>
+              <a:rPr lang="en-IN" sz="1600" cap="none" dirty="0">
+                <a:latin typeface="Abadi" panose="020B0604020104020204" pitchFamily="34" charset="0"/>
+              </a:rPr>
+              <a:t>Output-</a:t>
+            </a:r>
+            <a:r>
+              <a:rPr lang="en-IN" sz="1400" cap="none" dirty="0">
+                <a:latin typeface="Abadi" panose="020B0604020104020204" pitchFamily="34" charset="0"/>
+              </a:rPr>
+              <a:t> </a:t>
+            </a:r>
+            <a:r>
+              <a:rPr lang="it-IT" sz="1500" cap="none" dirty="0">
+                <a:solidFill>
+                  <a:schemeClr val="accent3">
+                    <a:lumMod val="75000"/>
+                  </a:schemeClr>
+                </a:solidFill>
+                <a:latin typeface="Abadi" panose="020B0604020104020204" pitchFamily="34" charset="0"/>
+              </a:rPr>
+              <a:t>[(0, 'apple'), (1, 'banana'), (2, 'cherry’)]</a:t>
+            </a:r>
+          </a:p>
+          <a:p>
+            <a:pPr>
+              <a:lnSpc>
+                <a:spcPct val="100000"/>
+              </a:lnSpc>
+              <a:buFont typeface="Wingdings" panose="05000000000000000000" pitchFamily="2" charset="2"/>
+              <a:buChar char="§"/>
+            </a:pPr>
+            <a:endParaRPr lang="en-IN" sz="1700" cap="none" dirty="0">
+              <a:solidFill>
+                <a:srgbClr val="FF0000"/>
+              </a:solidFill>
+              <a:latin typeface="Abadi" panose="020B0604020104020204" pitchFamily="34" charset="0"/>
+            </a:endParaRPr>
+          </a:p>
+          <a:p>
+            <a:pPr>
+              <a:lnSpc>
+                <a:spcPct val="100000"/>
+              </a:lnSpc>
+              <a:buFont typeface="Wingdings" panose="05000000000000000000" pitchFamily="2" charset="2"/>
+              <a:buChar char="§"/>
+            </a:pPr>
+            <a:r>
+              <a:rPr lang="en-IN" sz="1700" cap="none" dirty="0">
+                <a:solidFill>
+                  <a:srgbClr val="FF0000"/>
+                </a:solidFill>
+                <a:latin typeface="Abadi" panose="020B0604020104020204" pitchFamily="34" charset="0"/>
+              </a:rPr>
+              <a:t>eval() function</a:t>
+            </a:r>
+          </a:p>
+          <a:p>
+            <a:pPr marL="0" indent="0">
+              <a:lnSpc>
+                <a:spcPct val="100000"/>
+              </a:lnSpc>
+              <a:buNone/>
+            </a:pPr>
+            <a:r>
+              <a:rPr lang="en-US" sz="1700" cap="none" dirty="0">
+                <a:latin typeface="Abadi" panose="020B0604020104020204" pitchFamily="34" charset="0"/>
+              </a:rPr>
+              <a:t>The python eval() function parses the expression passed to it and runs python expression(code) within the program.</a:t>
+            </a:r>
+          </a:p>
+          <a:p>
+            <a:pPr marL="0" indent="0">
+              <a:lnSpc>
+                <a:spcPct val="110000"/>
+              </a:lnSpc>
+              <a:buNone/>
+            </a:pPr>
+            <a:r>
+              <a:rPr lang="en-US" sz="1600" cap="none" dirty="0" err="1">
+                <a:latin typeface="Abadi" panose="020B0604020104020204" pitchFamily="34" charset="0"/>
+              </a:rPr>
+              <a:t>Eg</a:t>
+            </a:r>
+            <a:r>
+              <a:rPr lang="en-US" sz="1600" cap="none" dirty="0">
+                <a:latin typeface="Abadi" panose="020B0604020104020204" pitchFamily="34" charset="0"/>
+              </a:rPr>
+              <a:t>- </a:t>
+            </a:r>
+            <a:r>
+              <a:rPr lang="en-US" sz="1500" cap="none" dirty="0">
+                <a:solidFill>
+                  <a:schemeClr val="accent3">
+                    <a:lumMod val="75000"/>
+                  </a:schemeClr>
+                </a:solidFill>
+                <a:latin typeface="Abadi" panose="020B0604020104020204" pitchFamily="34" charset="0"/>
+              </a:rPr>
+              <a:t> </a:t>
+            </a:r>
+            <a:r>
+              <a:rPr lang="en-IN" sz="1500" cap="none" dirty="0">
+                <a:solidFill>
+                  <a:schemeClr val="accent3">
+                    <a:lumMod val="75000"/>
+                  </a:schemeClr>
+                </a:solidFill>
+                <a:latin typeface="Abadi" panose="020B0604020104020204" pitchFamily="34" charset="0"/>
+              </a:rPr>
+              <a:t>x = 5  </a:t>
+            </a:r>
+          </a:p>
+          <a:p>
+            <a:pPr marL="0" indent="0">
+              <a:lnSpc>
+                <a:spcPct val="110000"/>
+              </a:lnSpc>
+              <a:buNone/>
+            </a:pPr>
+            <a:r>
+              <a:rPr lang="en-IN" sz="1600" cap="none" dirty="0">
+                <a:latin typeface="Abadi" panose="020B0604020104020204" pitchFamily="34" charset="0"/>
+              </a:rPr>
+              <a:t>      </a:t>
+            </a:r>
+            <a:r>
+              <a:rPr lang="en-IN" sz="1500" cap="none" dirty="0">
+                <a:solidFill>
+                  <a:schemeClr val="accent3">
+                    <a:lumMod val="75000"/>
+                  </a:schemeClr>
+                </a:solidFill>
+                <a:latin typeface="Abadi" panose="020B0604020104020204" pitchFamily="34" charset="0"/>
+              </a:rPr>
+              <a:t>print(eval('x + 1’)) </a:t>
+            </a:r>
+          </a:p>
+          <a:p>
+            <a:pPr marL="0" indent="0">
+              <a:lnSpc>
+                <a:spcPct val="100000"/>
+              </a:lnSpc>
+              <a:buNone/>
+            </a:pPr>
+            <a:r>
+              <a:rPr lang="en-IN" sz="1600" cap="none" dirty="0">
+                <a:latin typeface="Abadi" panose="020B0604020104020204" pitchFamily="34" charset="0"/>
+              </a:rPr>
+              <a:t>Output-</a:t>
+            </a:r>
+            <a:r>
+              <a:rPr lang="en-IN" sz="1500" cap="none" dirty="0">
+                <a:solidFill>
+                  <a:schemeClr val="accent3">
+                    <a:lumMod val="75000"/>
+                  </a:schemeClr>
+                </a:solidFill>
+                <a:latin typeface="Abadi" panose="020B0604020104020204" pitchFamily="34" charset="0"/>
+              </a:rPr>
+              <a:t> 6</a:t>
+            </a:r>
+          </a:p>
+          <a:p>
+            <a:pPr marL="0" indent="0">
+              <a:lnSpc>
+                <a:spcPct val="100000"/>
+              </a:lnSpc>
+              <a:buNone/>
+            </a:pPr>
+            <a:endParaRPr lang="en-IN" sz="1400" cap="none" dirty="0">
+              <a:solidFill>
+                <a:schemeClr val="accent3">
+                  <a:lumMod val="75000"/>
+                </a:schemeClr>
+              </a:solidFill>
+              <a:latin typeface="Abadi" panose="020B0604020104020204" pitchFamily="34" charset="0"/>
+            </a:endParaRPr>
+          </a:p>
+          <a:p>
+            <a:pPr marL="0" indent="0">
+              <a:lnSpc>
+                <a:spcPct val="100000"/>
+              </a:lnSpc>
+              <a:buNone/>
+            </a:pPr>
+            <a:endParaRPr lang="en-US" sz="1600" cap="none" dirty="0">
+              <a:latin typeface="Abadi" panose="020B0604020104020204" pitchFamily="34" charset="0"/>
+            </a:endParaRPr>
+          </a:p>
+        </p:txBody>
+      </p:sp>
+    </p:spTree>
+    <p:extLst>
+      <p:ext uri="{BB962C8B-B14F-4D97-AF65-F5344CB8AC3E}">
+        <p14:creationId xmlns:p14="http://schemas.microsoft.com/office/powerpoint/2010/main" val="2460661789"/>
+      </p:ext>
+    </p:extLst>
+  </p:cSld>
+  <p:clrMapOvr>
+    <a:masterClrMapping/>
+  </p:clrMapOvr>
+</p:sld>
+</file>
+
+<file path=ppt/slides/slide14.xml><?xml version="1.0" encoding="utf-8"?>
+<p:sld xmlns:a="http://schemas.openxmlformats.org/drawingml/2006/main" xmlns:r="http://schemas.openxmlformats.org/officeDocument/2006/relationships" xmlns:p="http://schemas.openxmlformats.org/presentationml/2006/main">
+  <p:cSld>
+    <p:spTree>
+      <p:nvGrpSpPr>
+        <p:cNvPr id="1" name=""/>
+        <p:cNvGrpSpPr/>
+        <p:nvPr/>
+      </p:nvGrpSpPr>
+      <p:grpSpPr>
+        <a:xfrm>
+          <a:off x="0" y="0"/>
+          <a:ext cx="0" cy="0"/>
+          <a:chOff x="0" y="0"/>
+          <a:chExt cx="0" cy="0"/>
+        </a:xfrm>
+      </p:grpSpPr>
+      <p:sp>
+        <p:nvSpPr>
+          <p:cNvPr id="3" name="Content Placeholder 2">
+            <a:extLst>
+              <a:ext uri="{FF2B5EF4-FFF2-40B4-BE49-F238E27FC236}">
+                <a16:creationId xmlns:a16="http://schemas.microsoft.com/office/drawing/2014/main" id="{32A21619-46DA-447D-838F-F4D3C825E30D}"/>
+              </a:ext>
+            </a:extLst>
+          </p:cNvPr>
+          <p:cNvSpPr>
+            <a:spLocks noGrp="1"/>
+          </p:cNvSpPr>
+          <p:nvPr>
+            <p:ph sz="quarter" idx="13"/>
+          </p:nvPr>
+        </p:nvSpPr>
+        <p:spPr>
+          <a:xfrm>
+            <a:off x="913774" y="342900"/>
+            <a:ext cx="10363826" cy="5781675"/>
+          </a:xfrm>
+        </p:spPr>
+        <p:txBody>
+          <a:bodyPr>
+            <a:normAutofit fontScale="92500" lnSpcReduction="20000"/>
+          </a:bodyPr>
+          <a:lstStyle/>
+          <a:p>
+            <a:pPr>
+              <a:buFont typeface="Wingdings" panose="05000000000000000000" pitchFamily="2" charset="2"/>
+              <a:buChar char="§"/>
+            </a:pPr>
+            <a:r>
+              <a:rPr lang="en-IN" sz="1700" cap="none" dirty="0" err="1">
+                <a:solidFill>
+                  <a:srgbClr val="FF0000"/>
+                </a:solidFill>
+                <a:latin typeface="Abadi" panose="020B0604020104020204" pitchFamily="34" charset="0"/>
+              </a:rPr>
+              <a:t>getattr</a:t>
+            </a:r>
+            <a:r>
+              <a:rPr lang="en-IN" sz="1700" cap="none" dirty="0">
+                <a:solidFill>
+                  <a:srgbClr val="FF0000"/>
+                </a:solidFill>
+                <a:latin typeface="Abadi" panose="020B0604020104020204" pitchFamily="34" charset="0"/>
+              </a:rPr>
+              <a:t>() function</a:t>
+            </a:r>
+          </a:p>
+          <a:p>
+            <a:pPr marL="0" indent="0">
+              <a:buNone/>
+            </a:pPr>
+            <a:r>
+              <a:rPr lang="en-US" sz="1700" cap="none" dirty="0">
+                <a:latin typeface="Abadi" panose="020B0604020104020204" pitchFamily="34" charset="0"/>
+              </a:rPr>
+              <a:t>The </a:t>
+            </a:r>
+            <a:r>
+              <a:rPr lang="en-US" sz="1700" cap="none" dirty="0" err="1">
+                <a:latin typeface="Abadi" panose="020B0604020104020204" pitchFamily="34" charset="0"/>
+              </a:rPr>
+              <a:t>getattr</a:t>
+            </a:r>
+            <a:r>
+              <a:rPr lang="en-US" sz="1700" cap="none" dirty="0">
+                <a:latin typeface="Abadi" panose="020B0604020104020204" pitchFamily="34" charset="0"/>
+              </a:rPr>
+              <a:t>() function returns the value of the specified attribute from the specified object.</a:t>
+            </a:r>
+          </a:p>
+          <a:p>
+            <a:pPr marL="0" indent="0">
+              <a:lnSpc>
+                <a:spcPct val="110000"/>
+              </a:lnSpc>
+              <a:buNone/>
+            </a:pPr>
+            <a:r>
+              <a:rPr lang="en-US" sz="1700" cap="none" dirty="0" err="1">
+                <a:latin typeface="Abadi" panose="020B0604020104020204" pitchFamily="34" charset="0"/>
+              </a:rPr>
+              <a:t>Eg</a:t>
+            </a:r>
+            <a:r>
+              <a:rPr lang="en-US" sz="1700" cap="none" dirty="0">
+                <a:latin typeface="Abadi" panose="020B0604020104020204" pitchFamily="34" charset="0"/>
+              </a:rPr>
+              <a:t>- </a:t>
+            </a:r>
+            <a:r>
+              <a:rPr lang="en-US" sz="1500" cap="none" dirty="0">
+                <a:solidFill>
+                  <a:schemeClr val="accent3">
+                    <a:lumMod val="75000"/>
+                  </a:schemeClr>
+                </a:solidFill>
+                <a:latin typeface="Abadi" panose="020B0604020104020204" pitchFamily="34" charset="0"/>
+              </a:rPr>
+              <a:t>class Person:</a:t>
+            </a:r>
+          </a:p>
+          <a:p>
+            <a:pPr marL="0" indent="0">
+              <a:lnSpc>
+                <a:spcPct val="110000"/>
+              </a:lnSpc>
+              <a:buNone/>
+            </a:pPr>
+            <a:r>
+              <a:rPr lang="en-US" sz="1500" cap="none" dirty="0">
+                <a:solidFill>
+                  <a:schemeClr val="accent3">
+                    <a:lumMod val="75000"/>
+                  </a:schemeClr>
+                </a:solidFill>
+                <a:latin typeface="Abadi" panose="020B0604020104020204" pitchFamily="34" charset="0"/>
+              </a:rPr>
+              <a:t>           name = "John"</a:t>
+            </a:r>
+          </a:p>
+          <a:p>
+            <a:pPr marL="0" indent="0">
+              <a:lnSpc>
+                <a:spcPct val="110000"/>
+              </a:lnSpc>
+              <a:buNone/>
+            </a:pPr>
+            <a:r>
+              <a:rPr lang="en-US" sz="1500" cap="none" dirty="0">
+                <a:solidFill>
+                  <a:schemeClr val="accent3">
+                    <a:lumMod val="75000"/>
+                  </a:schemeClr>
+                </a:solidFill>
+                <a:latin typeface="Abadi" panose="020B0604020104020204" pitchFamily="34" charset="0"/>
+              </a:rPr>
+              <a:t>           age = 36</a:t>
+            </a:r>
+          </a:p>
+          <a:p>
+            <a:pPr marL="0" indent="0">
+              <a:lnSpc>
+                <a:spcPct val="110000"/>
+              </a:lnSpc>
+              <a:buNone/>
+            </a:pPr>
+            <a:r>
+              <a:rPr lang="en-US" sz="1500" cap="none" dirty="0">
+                <a:solidFill>
+                  <a:schemeClr val="accent3">
+                    <a:lumMod val="75000"/>
+                  </a:schemeClr>
+                </a:solidFill>
+                <a:latin typeface="Abadi" panose="020B0604020104020204" pitchFamily="34" charset="0"/>
+              </a:rPr>
+              <a:t>           country = "Norway"</a:t>
+            </a:r>
+          </a:p>
+          <a:p>
+            <a:pPr marL="0" indent="0">
+              <a:lnSpc>
+                <a:spcPct val="110000"/>
+              </a:lnSpc>
+              <a:buNone/>
+            </a:pPr>
+            <a:r>
+              <a:rPr lang="en-US" sz="1500" cap="none" dirty="0">
+                <a:solidFill>
+                  <a:schemeClr val="accent3">
+                    <a:lumMod val="75000"/>
+                  </a:schemeClr>
+                </a:solidFill>
+                <a:latin typeface="Abadi" panose="020B0604020104020204" pitchFamily="34" charset="0"/>
+              </a:rPr>
+              <a:t>       x = </a:t>
+            </a:r>
+            <a:r>
+              <a:rPr lang="en-US" sz="1500" cap="none" dirty="0" err="1">
+                <a:solidFill>
+                  <a:schemeClr val="accent3">
+                    <a:lumMod val="75000"/>
+                  </a:schemeClr>
+                </a:solidFill>
+                <a:latin typeface="Abadi" panose="020B0604020104020204" pitchFamily="34" charset="0"/>
+              </a:rPr>
+              <a:t>getattr</a:t>
+            </a:r>
+            <a:r>
+              <a:rPr lang="en-US" sz="1500" cap="none" dirty="0">
+                <a:solidFill>
+                  <a:schemeClr val="accent3">
+                    <a:lumMod val="75000"/>
+                  </a:schemeClr>
+                </a:solidFill>
+                <a:latin typeface="Abadi" panose="020B0604020104020204" pitchFamily="34" charset="0"/>
+              </a:rPr>
+              <a:t>(Person, 'age’)</a:t>
+            </a:r>
+          </a:p>
+          <a:p>
+            <a:pPr marL="0" indent="0">
+              <a:lnSpc>
+                <a:spcPct val="110000"/>
+              </a:lnSpc>
+              <a:buNone/>
+            </a:pPr>
+            <a:r>
+              <a:rPr lang="en-US" sz="1500" cap="none" dirty="0">
+                <a:solidFill>
+                  <a:schemeClr val="accent3">
+                    <a:lumMod val="75000"/>
+                  </a:schemeClr>
+                </a:solidFill>
+                <a:latin typeface="Abadi" panose="020B0604020104020204" pitchFamily="34" charset="0"/>
+              </a:rPr>
+              <a:t>       print(x)</a:t>
+            </a:r>
+          </a:p>
+          <a:p>
+            <a:pPr marL="0" indent="0">
+              <a:lnSpc>
+                <a:spcPct val="110000"/>
+              </a:lnSpc>
+              <a:buNone/>
+            </a:pPr>
+            <a:r>
+              <a:rPr lang="en-IN" sz="1400" cap="none" dirty="0">
+                <a:latin typeface="Abadi" panose="020B0604020104020204" pitchFamily="34" charset="0"/>
+              </a:rPr>
+              <a:t>Output- </a:t>
+            </a:r>
+            <a:r>
+              <a:rPr lang="en-IN" sz="1500" cap="none" dirty="0">
+                <a:solidFill>
+                  <a:schemeClr val="accent3">
+                    <a:lumMod val="75000"/>
+                  </a:schemeClr>
+                </a:solidFill>
+                <a:latin typeface="Abadi" panose="020B0604020104020204" pitchFamily="34" charset="0"/>
+              </a:rPr>
+              <a:t>36</a:t>
+            </a:r>
+          </a:p>
+          <a:p>
+            <a:pPr>
+              <a:lnSpc>
+                <a:spcPct val="110000"/>
+              </a:lnSpc>
+              <a:buFont typeface="Wingdings" panose="05000000000000000000" pitchFamily="2" charset="2"/>
+              <a:buChar char="§"/>
+            </a:pPr>
+            <a:r>
+              <a:rPr lang="en-US" sz="1700" cap="none" dirty="0" err="1">
+                <a:solidFill>
+                  <a:srgbClr val="FF0000"/>
+                </a:solidFill>
+                <a:latin typeface="Abadi" panose="020B0604020104020204" pitchFamily="34" charset="0"/>
+              </a:rPr>
+              <a:t>hasattr</a:t>
+            </a:r>
+            <a:r>
+              <a:rPr lang="en-US" sz="1700" cap="none" dirty="0">
+                <a:solidFill>
+                  <a:srgbClr val="FF0000"/>
+                </a:solidFill>
+                <a:latin typeface="Abadi" panose="020B0604020104020204" pitchFamily="34" charset="0"/>
+              </a:rPr>
+              <a:t>() function</a:t>
+            </a:r>
+          </a:p>
+          <a:p>
+            <a:pPr marL="0" indent="0">
+              <a:lnSpc>
+                <a:spcPct val="110000"/>
+              </a:lnSpc>
+              <a:buNone/>
+            </a:pPr>
+            <a:r>
+              <a:rPr lang="en-US" sz="1700" cap="none" dirty="0">
+                <a:latin typeface="Abadi" panose="020B0604020104020204" pitchFamily="34" charset="0"/>
+              </a:rPr>
+              <a:t>The </a:t>
+            </a:r>
+            <a:r>
+              <a:rPr lang="en-US" sz="1700" cap="none" dirty="0" err="1">
+                <a:latin typeface="Abadi" panose="020B0604020104020204" pitchFamily="34" charset="0"/>
+              </a:rPr>
+              <a:t>hasattr</a:t>
+            </a:r>
+            <a:r>
+              <a:rPr lang="en-US" sz="1700" cap="none" dirty="0">
+                <a:latin typeface="Abadi" panose="020B0604020104020204" pitchFamily="34" charset="0"/>
+              </a:rPr>
+              <a:t>() function returns True if the specified object has the specified attribute, otherwise False.</a:t>
+            </a:r>
+          </a:p>
+          <a:p>
+            <a:pPr marL="0" indent="0">
+              <a:lnSpc>
+                <a:spcPct val="110000"/>
+              </a:lnSpc>
+              <a:buNone/>
+            </a:pPr>
+            <a:r>
+              <a:rPr lang="en-US" sz="1700" cap="none" dirty="0" err="1">
+                <a:latin typeface="Abadi" panose="020B0604020104020204" pitchFamily="34" charset="0"/>
+              </a:rPr>
+              <a:t>Eg</a:t>
+            </a:r>
+            <a:r>
+              <a:rPr lang="en-US" sz="1700" cap="none" dirty="0">
+                <a:latin typeface="Abadi" panose="020B0604020104020204" pitchFamily="34" charset="0"/>
+              </a:rPr>
+              <a:t>- </a:t>
+            </a:r>
+            <a:r>
+              <a:rPr lang="en-US" sz="1500" cap="none" dirty="0">
+                <a:solidFill>
+                  <a:schemeClr val="accent3">
+                    <a:lumMod val="75000"/>
+                  </a:schemeClr>
+                </a:solidFill>
+                <a:latin typeface="Abadi" panose="020B0604020104020204" pitchFamily="34" charset="0"/>
+              </a:rPr>
+              <a:t>class Person:</a:t>
+            </a:r>
+          </a:p>
+          <a:p>
+            <a:pPr marL="0" indent="0">
+              <a:lnSpc>
+                <a:spcPct val="110000"/>
+              </a:lnSpc>
+              <a:buNone/>
+            </a:pPr>
+            <a:r>
+              <a:rPr lang="en-US" sz="1700" cap="none" dirty="0">
+                <a:latin typeface="Abadi" panose="020B0604020104020204" pitchFamily="34" charset="0"/>
+              </a:rPr>
+              <a:t>         </a:t>
+            </a:r>
+            <a:r>
+              <a:rPr lang="en-US" sz="1500" cap="none" dirty="0">
+                <a:solidFill>
+                  <a:schemeClr val="accent3">
+                    <a:lumMod val="75000"/>
+                  </a:schemeClr>
+                </a:solidFill>
+                <a:latin typeface="Abadi" panose="020B0604020104020204" pitchFamily="34" charset="0"/>
+              </a:rPr>
+              <a:t>name = "John"</a:t>
+            </a:r>
+          </a:p>
+          <a:p>
+            <a:pPr marL="0" indent="0">
+              <a:lnSpc>
+                <a:spcPct val="110000"/>
+              </a:lnSpc>
+              <a:buNone/>
+            </a:pPr>
+            <a:r>
+              <a:rPr lang="en-US" sz="1500" cap="none" dirty="0">
+                <a:solidFill>
+                  <a:schemeClr val="accent3">
+                    <a:lumMod val="75000"/>
+                  </a:schemeClr>
+                </a:solidFill>
+                <a:latin typeface="Abadi" panose="020B0604020104020204" pitchFamily="34" charset="0"/>
+              </a:rPr>
+              <a:t>          age = 36</a:t>
+            </a:r>
+          </a:p>
+          <a:p>
+            <a:pPr marL="0" indent="0">
+              <a:lnSpc>
+                <a:spcPct val="110000"/>
+              </a:lnSpc>
+              <a:buNone/>
+            </a:pPr>
+            <a:r>
+              <a:rPr lang="en-US" sz="1500" cap="none" dirty="0">
+                <a:solidFill>
+                  <a:schemeClr val="accent3">
+                    <a:lumMod val="75000"/>
+                  </a:schemeClr>
+                </a:solidFill>
+                <a:latin typeface="Abadi" panose="020B0604020104020204" pitchFamily="34" charset="0"/>
+              </a:rPr>
+              <a:t>          country = "Norway"</a:t>
+            </a:r>
+          </a:p>
+          <a:p>
+            <a:pPr marL="0" indent="0">
+              <a:lnSpc>
+                <a:spcPct val="110000"/>
+              </a:lnSpc>
+              <a:buNone/>
+            </a:pPr>
+            <a:r>
+              <a:rPr lang="en-US" sz="1500" cap="none" dirty="0">
+                <a:solidFill>
+                  <a:schemeClr val="accent3">
+                    <a:lumMod val="75000"/>
+                  </a:schemeClr>
+                </a:solidFill>
+                <a:latin typeface="Abadi" panose="020B0604020104020204" pitchFamily="34" charset="0"/>
+              </a:rPr>
+              <a:t>x = </a:t>
+            </a:r>
+            <a:r>
+              <a:rPr lang="en-US" sz="1500" cap="none" dirty="0" err="1">
+                <a:solidFill>
+                  <a:schemeClr val="accent3">
+                    <a:lumMod val="75000"/>
+                  </a:schemeClr>
+                </a:solidFill>
+                <a:latin typeface="Abadi" panose="020B0604020104020204" pitchFamily="34" charset="0"/>
+              </a:rPr>
+              <a:t>hasattr</a:t>
+            </a:r>
+            <a:r>
+              <a:rPr lang="en-US" sz="1500" cap="none" dirty="0">
+                <a:solidFill>
+                  <a:schemeClr val="accent3">
+                    <a:lumMod val="75000"/>
+                  </a:schemeClr>
+                </a:solidFill>
+                <a:latin typeface="Abadi" panose="020B0604020104020204" pitchFamily="34" charset="0"/>
+              </a:rPr>
+              <a:t>(Person, 'age')</a:t>
+            </a:r>
+          </a:p>
+          <a:p>
+            <a:pPr marL="0" indent="0">
+              <a:lnSpc>
+                <a:spcPct val="110000"/>
+              </a:lnSpc>
+              <a:buNone/>
+            </a:pPr>
+            <a:r>
+              <a:rPr lang="en-US" sz="1500" cap="none" dirty="0">
+                <a:solidFill>
+                  <a:schemeClr val="accent3">
+                    <a:lumMod val="75000"/>
+                  </a:schemeClr>
+                </a:solidFill>
+                <a:latin typeface="Abadi" panose="020B0604020104020204" pitchFamily="34" charset="0"/>
+              </a:rPr>
+              <a:t>print(x)                                         </a:t>
+            </a:r>
+            <a:r>
+              <a:rPr lang="en-IN" sz="1400" cap="none" dirty="0">
+                <a:latin typeface="Abadi" panose="020B0604020104020204" pitchFamily="34" charset="0"/>
+              </a:rPr>
+              <a:t>Output-</a:t>
+            </a:r>
+            <a:r>
+              <a:rPr lang="en-US" sz="1500" cap="none" dirty="0">
+                <a:solidFill>
+                  <a:schemeClr val="accent3">
+                    <a:lumMod val="75000"/>
+                  </a:schemeClr>
+                </a:solidFill>
+                <a:latin typeface="Abadi" panose="020B0604020104020204" pitchFamily="34" charset="0"/>
+              </a:rPr>
+              <a:t> True            </a:t>
+            </a:r>
+          </a:p>
+          <a:p>
+            <a:pPr marL="0" indent="0">
+              <a:lnSpc>
+                <a:spcPct val="110000"/>
+              </a:lnSpc>
+              <a:buNone/>
+            </a:pPr>
+            <a:endParaRPr lang="en-IN" sz="1500" cap="none" dirty="0">
+              <a:solidFill>
+                <a:schemeClr val="accent3">
+                  <a:lumMod val="75000"/>
+                </a:schemeClr>
+              </a:solidFill>
+              <a:latin typeface="Abadi" panose="020B0604020104020204" pitchFamily="34" charset="0"/>
+            </a:endParaRPr>
+          </a:p>
+          <a:p>
+            <a:pPr marL="0" indent="0">
+              <a:buNone/>
+            </a:pPr>
+            <a:endParaRPr lang="en-IN" sz="1700" cap="none" dirty="0">
+              <a:solidFill>
+                <a:srgbClr val="FF0000"/>
+              </a:solidFill>
+              <a:latin typeface="Abadi" panose="020B0604020104020204" pitchFamily="34" charset="0"/>
+            </a:endParaRPr>
+          </a:p>
+        </p:txBody>
+      </p:sp>
+    </p:spTree>
+    <p:extLst>
+      <p:ext uri="{BB962C8B-B14F-4D97-AF65-F5344CB8AC3E}">
+        <p14:creationId xmlns:p14="http://schemas.microsoft.com/office/powerpoint/2010/main" val="3893458190"/>
+      </p:ext>
+    </p:extLst>
+  </p:cSld>
+  <p:clrMapOvr>
+    <a:masterClrMapping/>
+  </p:clrMapOvr>
+</p:sld>
+</file>
+
+<file path=ppt/slides/slide15.xml><?xml version="1.0" encoding="utf-8"?>
+<p:sld xmlns:a="http://schemas.openxmlformats.org/drawingml/2006/main" xmlns:r="http://schemas.openxmlformats.org/officeDocument/2006/relationships" xmlns:p="http://schemas.openxmlformats.org/presentationml/2006/main">
+  <p:cSld>
+    <p:spTree>
+      <p:nvGrpSpPr>
+        <p:cNvPr id="1" name=""/>
+        <p:cNvGrpSpPr/>
+        <p:nvPr/>
+      </p:nvGrpSpPr>
+      <p:grpSpPr>
+        <a:xfrm>
+          <a:off x="0" y="0"/>
+          <a:ext cx="0" cy="0"/>
+          <a:chOff x="0" y="0"/>
+          <a:chExt cx="0" cy="0"/>
+        </a:xfrm>
+      </p:grpSpPr>
+      <p:sp>
+        <p:nvSpPr>
+          <p:cNvPr id="3" name="Content Placeholder 2">
+            <a:extLst>
+              <a:ext uri="{FF2B5EF4-FFF2-40B4-BE49-F238E27FC236}">
+                <a16:creationId xmlns:a16="http://schemas.microsoft.com/office/drawing/2014/main" id="{2A1D0756-8936-4443-89F2-9001AA73630A}"/>
+              </a:ext>
+            </a:extLst>
+          </p:cNvPr>
+          <p:cNvSpPr>
+            <a:spLocks noGrp="1"/>
+          </p:cNvSpPr>
+          <p:nvPr>
+            <p:ph sz="quarter" idx="13"/>
+          </p:nvPr>
+        </p:nvSpPr>
+        <p:spPr>
+          <a:xfrm>
+            <a:off x="913774" y="352426"/>
+            <a:ext cx="10363826" cy="5438774"/>
+          </a:xfrm>
+        </p:spPr>
+        <p:txBody>
+          <a:bodyPr/>
+          <a:lstStyle/>
+          <a:p>
+            <a:pPr>
+              <a:buFont typeface="Wingdings" panose="05000000000000000000" pitchFamily="2" charset="2"/>
+              <a:buChar char="§"/>
+            </a:pPr>
+            <a:r>
+              <a:rPr lang="en-IN" sz="1700" cap="none" dirty="0">
+                <a:solidFill>
+                  <a:srgbClr val="FF0000"/>
+                </a:solidFill>
+                <a:latin typeface="Abadi" panose="020B0604020104020204" pitchFamily="34" charset="0"/>
+              </a:rPr>
+              <a:t>map() function</a:t>
+            </a:r>
+          </a:p>
+          <a:p>
+            <a:pPr marL="0" indent="0">
+              <a:buNone/>
+            </a:pPr>
+            <a:r>
+              <a:rPr lang="en-US" sz="1700" cap="none" dirty="0">
+                <a:latin typeface="Abadi" panose="020B0604020104020204" pitchFamily="34" charset="0"/>
+              </a:rPr>
+              <a:t>The map() function executes a specified function for each item in a </a:t>
+            </a:r>
+            <a:r>
+              <a:rPr lang="en-US" sz="1700" cap="none" dirty="0" err="1">
+                <a:latin typeface="Abadi" panose="020B0604020104020204" pitchFamily="34" charset="0"/>
+              </a:rPr>
+              <a:t>iterable</a:t>
+            </a:r>
+            <a:r>
+              <a:rPr lang="en-US" sz="1700" cap="none" dirty="0">
+                <a:latin typeface="Abadi" panose="020B0604020104020204" pitchFamily="34" charset="0"/>
+              </a:rPr>
+              <a:t>. The item is sent to the function as a parameter.</a:t>
+            </a:r>
+          </a:p>
+          <a:p>
+            <a:pPr marL="0" indent="0">
+              <a:lnSpc>
+                <a:spcPct val="110000"/>
+              </a:lnSpc>
+              <a:buNone/>
+            </a:pPr>
+            <a:r>
+              <a:rPr lang="en-US" sz="1700" cap="none" dirty="0" err="1">
+                <a:latin typeface="Abadi" panose="020B0604020104020204" pitchFamily="34" charset="0"/>
+              </a:rPr>
+              <a:t>Eg</a:t>
+            </a:r>
+            <a:r>
+              <a:rPr lang="en-US" sz="1700" cap="none" dirty="0">
+                <a:latin typeface="Abadi" panose="020B0604020104020204" pitchFamily="34" charset="0"/>
+              </a:rPr>
+              <a:t>-  </a:t>
+            </a:r>
+            <a:r>
+              <a:rPr lang="en-US" sz="1500" cap="none" dirty="0">
+                <a:solidFill>
+                  <a:schemeClr val="accent3">
+                    <a:lumMod val="75000"/>
+                  </a:schemeClr>
+                </a:solidFill>
+                <a:latin typeface="Abadi" panose="020B0604020104020204" pitchFamily="34" charset="0"/>
+              </a:rPr>
+              <a:t>def </a:t>
+            </a:r>
+            <a:r>
+              <a:rPr lang="en-US" sz="1500" cap="none" dirty="0" err="1">
+                <a:solidFill>
+                  <a:schemeClr val="accent3">
+                    <a:lumMod val="75000"/>
+                  </a:schemeClr>
+                </a:solidFill>
+                <a:latin typeface="Abadi" panose="020B0604020104020204" pitchFamily="34" charset="0"/>
+              </a:rPr>
+              <a:t>myfunc</a:t>
+            </a:r>
+            <a:r>
+              <a:rPr lang="en-US" sz="1500" cap="none" dirty="0">
+                <a:solidFill>
+                  <a:schemeClr val="accent3">
+                    <a:lumMod val="75000"/>
+                  </a:schemeClr>
+                </a:solidFill>
+                <a:latin typeface="Abadi" panose="020B0604020104020204" pitchFamily="34" charset="0"/>
+              </a:rPr>
+              <a:t>(a, b):</a:t>
+            </a:r>
+          </a:p>
+          <a:p>
+            <a:pPr marL="0" indent="0">
+              <a:lnSpc>
+                <a:spcPct val="110000"/>
+              </a:lnSpc>
+              <a:buNone/>
+            </a:pPr>
+            <a:r>
+              <a:rPr lang="en-US" sz="1500" cap="none" dirty="0">
+                <a:solidFill>
+                  <a:schemeClr val="accent3">
+                    <a:lumMod val="75000"/>
+                  </a:schemeClr>
+                </a:solidFill>
+                <a:latin typeface="Abadi" panose="020B0604020104020204" pitchFamily="34" charset="0"/>
+              </a:rPr>
+              <a:t>              return a + b</a:t>
+            </a:r>
+          </a:p>
+          <a:p>
+            <a:pPr marL="0" indent="0">
+              <a:lnSpc>
+                <a:spcPct val="110000"/>
+              </a:lnSpc>
+              <a:buNone/>
+            </a:pPr>
+            <a:r>
+              <a:rPr lang="en-US" sz="1500" cap="none" dirty="0">
+                <a:solidFill>
+                  <a:schemeClr val="accent3">
+                    <a:lumMod val="75000"/>
+                  </a:schemeClr>
+                </a:solidFill>
+                <a:latin typeface="Abadi" panose="020B0604020104020204" pitchFamily="34" charset="0"/>
+              </a:rPr>
+              <a:t>x = map(</a:t>
+            </a:r>
+            <a:r>
+              <a:rPr lang="en-US" sz="1500" cap="none" dirty="0" err="1">
+                <a:solidFill>
+                  <a:schemeClr val="accent3">
+                    <a:lumMod val="75000"/>
+                  </a:schemeClr>
+                </a:solidFill>
+                <a:latin typeface="Abadi" panose="020B0604020104020204" pitchFamily="34" charset="0"/>
+              </a:rPr>
+              <a:t>myfunc</a:t>
+            </a:r>
+            <a:r>
+              <a:rPr lang="en-US" sz="1500" cap="none" dirty="0">
+                <a:solidFill>
+                  <a:schemeClr val="accent3">
+                    <a:lumMod val="75000"/>
+                  </a:schemeClr>
+                </a:solidFill>
+                <a:latin typeface="Abadi" panose="020B0604020104020204" pitchFamily="34" charset="0"/>
+              </a:rPr>
+              <a:t>, ('apple', 'banana', 'cherry'), ('orange', 'lemon', 'pineapple'))</a:t>
+            </a:r>
+          </a:p>
+          <a:p>
+            <a:pPr marL="0" indent="0">
+              <a:lnSpc>
+                <a:spcPct val="110000"/>
+              </a:lnSpc>
+              <a:buNone/>
+            </a:pPr>
+            <a:r>
+              <a:rPr lang="en-US" sz="1500" cap="none" dirty="0">
+                <a:solidFill>
+                  <a:schemeClr val="accent3">
+                    <a:lumMod val="75000"/>
+                  </a:schemeClr>
+                </a:solidFill>
+                <a:latin typeface="Abadi" panose="020B0604020104020204" pitchFamily="34" charset="0"/>
+              </a:rPr>
+              <a:t>print(x)</a:t>
+            </a:r>
+          </a:p>
+          <a:p>
+            <a:pPr marL="0" indent="0">
+              <a:lnSpc>
+                <a:spcPct val="110000"/>
+              </a:lnSpc>
+              <a:buNone/>
+            </a:pPr>
+            <a:r>
+              <a:rPr lang="en-US" sz="1500" cap="none" dirty="0">
+                <a:solidFill>
+                  <a:schemeClr val="accent3">
+                    <a:lumMod val="75000"/>
+                  </a:schemeClr>
+                </a:solidFill>
+                <a:latin typeface="Abadi" panose="020B0604020104020204" pitchFamily="34" charset="0"/>
+              </a:rPr>
+              <a:t>print(list(x))</a:t>
+            </a:r>
+          </a:p>
+          <a:p>
+            <a:pPr marL="0" indent="0">
+              <a:buNone/>
+            </a:pPr>
+            <a:r>
+              <a:rPr lang="en-US" sz="1700" cap="none" dirty="0">
+                <a:latin typeface="Abadi" panose="020B0604020104020204" pitchFamily="34" charset="0"/>
+              </a:rPr>
+              <a:t>Output-  </a:t>
+            </a:r>
+            <a:r>
+              <a:rPr lang="en-IN" sz="1500" cap="none" dirty="0">
+                <a:solidFill>
+                  <a:schemeClr val="accent3">
+                    <a:lumMod val="75000"/>
+                  </a:schemeClr>
+                </a:solidFill>
+                <a:latin typeface="Abadi" panose="020B0604020104020204" pitchFamily="34" charset="0"/>
+              </a:rPr>
+              <a:t>&lt;map object at 0x034244F0&gt;</a:t>
+            </a:r>
+          </a:p>
+          <a:p>
+            <a:pPr marL="0" indent="0">
+              <a:buNone/>
+            </a:pPr>
+            <a:r>
+              <a:rPr lang="en-IN" sz="1500" cap="none" dirty="0">
+                <a:solidFill>
+                  <a:schemeClr val="accent3">
+                    <a:lumMod val="75000"/>
+                  </a:schemeClr>
+                </a:solidFill>
+                <a:latin typeface="Abadi" panose="020B0604020104020204" pitchFamily="34" charset="0"/>
+              </a:rPr>
+              <a:t>              ['</a:t>
+            </a:r>
+            <a:r>
+              <a:rPr lang="en-IN" sz="1500" cap="none" dirty="0" err="1">
+                <a:solidFill>
+                  <a:schemeClr val="accent3">
+                    <a:lumMod val="75000"/>
+                  </a:schemeClr>
+                </a:solidFill>
+                <a:latin typeface="Abadi" panose="020B0604020104020204" pitchFamily="34" charset="0"/>
+              </a:rPr>
+              <a:t>appleorange</a:t>
+            </a:r>
+            <a:r>
+              <a:rPr lang="en-IN" sz="1500" cap="none" dirty="0">
+                <a:solidFill>
+                  <a:schemeClr val="accent3">
+                    <a:lumMod val="75000"/>
+                  </a:schemeClr>
+                </a:solidFill>
+                <a:latin typeface="Abadi" panose="020B0604020104020204" pitchFamily="34" charset="0"/>
+              </a:rPr>
+              <a:t>', '</a:t>
+            </a:r>
+            <a:r>
+              <a:rPr lang="en-IN" sz="1500" cap="none" dirty="0" err="1">
+                <a:solidFill>
+                  <a:schemeClr val="accent3">
+                    <a:lumMod val="75000"/>
+                  </a:schemeClr>
+                </a:solidFill>
+                <a:latin typeface="Abadi" panose="020B0604020104020204" pitchFamily="34" charset="0"/>
+              </a:rPr>
+              <a:t>bananalemon</a:t>
+            </a:r>
+            <a:r>
+              <a:rPr lang="en-IN" sz="1500" cap="none" dirty="0">
+                <a:solidFill>
+                  <a:schemeClr val="accent3">
+                    <a:lumMod val="75000"/>
+                  </a:schemeClr>
+                </a:solidFill>
+                <a:latin typeface="Abadi" panose="020B0604020104020204" pitchFamily="34" charset="0"/>
+              </a:rPr>
+              <a:t>', '</a:t>
+            </a:r>
+            <a:r>
+              <a:rPr lang="en-IN" sz="1500" cap="none" dirty="0" err="1">
+                <a:solidFill>
+                  <a:schemeClr val="accent3">
+                    <a:lumMod val="75000"/>
+                  </a:schemeClr>
+                </a:solidFill>
+                <a:latin typeface="Abadi" panose="020B0604020104020204" pitchFamily="34" charset="0"/>
+              </a:rPr>
+              <a:t>cherrypineapple</a:t>
+            </a:r>
+            <a:r>
+              <a:rPr lang="en-IN" sz="1500" cap="none" dirty="0">
+                <a:solidFill>
+                  <a:schemeClr val="accent3">
+                    <a:lumMod val="75000"/>
+                  </a:schemeClr>
+                </a:solidFill>
+                <a:latin typeface="Abadi" panose="020B0604020104020204" pitchFamily="34" charset="0"/>
+              </a:rPr>
+              <a:t>']</a:t>
+            </a:r>
+          </a:p>
+        </p:txBody>
+      </p:sp>
+    </p:spTree>
+    <p:extLst>
+      <p:ext uri="{BB962C8B-B14F-4D97-AF65-F5344CB8AC3E}">
+        <p14:creationId xmlns:p14="http://schemas.microsoft.com/office/powerpoint/2010/main" val="884425681"/>
       </p:ext>
     </p:extLst>
   </p:cSld>
